--- a/HighCondRepresentativeModelTests/HighCondModels_CommonInputs/Output/Plots/SDprox1RepresentativeMeanVolt.pptx
+++ b/HighCondRepresentativeModelTests/HighCondModels_CommonInputs/Output/Plots/SDprox1RepresentativeMeanVolt.pptx
@@ -2,19 +2,19 @@
 <file path=ppt/presentation.xml><?xml version="1.0" encoding="utf-8"?>
 <p:presentation xmlns:a="http://schemas.openxmlformats.org/drawingml/2006/main" xmlns:r="http://schemas.openxmlformats.org/officeDocument/2006/relationships" xmlns:p="http://schemas.openxmlformats.org/presentationml/2006/main" saveSubsetFonts="1" autoCompressPictures="0">
   <p:sldMasterIdLst>
-    <p:sldMasterId id="2147483684" r:id="rId1"/>
+    <p:sldMasterId id="2147483756" r:id="rId1"/>
   </p:sldMasterIdLst>
   <p:sldIdLst>
     <p:sldId id="256" r:id="rId2"/>
   </p:sldIdLst>
-  <p:sldSz cx="28800425" cy="23039388"/>
+  <p:sldSz cx="26639838" cy="25920700"/>
   <p:notesSz cx="6858000" cy="9144000"/>
   <p:defaultTextStyle>
     <a:defPPr>
       <a:defRPr lang="en-US"/>
     </a:defPPr>
-    <a:lvl1pPr marL="0" algn="l" defTabSz="3110332" rtl="0" eaLnBrk="1" latinLnBrk="0" hangingPunct="1">
-      <a:defRPr sz="6123" kern="1200">
+    <a:lvl1pPr marL="0" algn="l" defTabSz="3180563" rtl="0" eaLnBrk="1" latinLnBrk="0" hangingPunct="1">
+      <a:defRPr sz="6261" kern="1200">
         <a:solidFill>
           <a:schemeClr val="tx1"/>
         </a:solidFill>
@@ -23,8 +23,8 @@
         <a:cs typeface="+mn-cs"/>
       </a:defRPr>
     </a:lvl1pPr>
-    <a:lvl2pPr marL="1555166" algn="l" defTabSz="3110332" rtl="0" eaLnBrk="1" latinLnBrk="0" hangingPunct="1">
-      <a:defRPr sz="6123" kern="1200">
+    <a:lvl2pPr marL="1590282" algn="l" defTabSz="3180563" rtl="0" eaLnBrk="1" latinLnBrk="0" hangingPunct="1">
+      <a:defRPr sz="6261" kern="1200">
         <a:solidFill>
           <a:schemeClr val="tx1"/>
         </a:solidFill>
@@ -33,8 +33,8 @@
         <a:cs typeface="+mn-cs"/>
       </a:defRPr>
     </a:lvl2pPr>
-    <a:lvl3pPr marL="3110332" algn="l" defTabSz="3110332" rtl="0" eaLnBrk="1" latinLnBrk="0" hangingPunct="1">
-      <a:defRPr sz="6123" kern="1200">
+    <a:lvl3pPr marL="3180563" algn="l" defTabSz="3180563" rtl="0" eaLnBrk="1" latinLnBrk="0" hangingPunct="1">
+      <a:defRPr sz="6261" kern="1200">
         <a:solidFill>
           <a:schemeClr val="tx1"/>
         </a:solidFill>
@@ -43,8 +43,8 @@
         <a:cs typeface="+mn-cs"/>
       </a:defRPr>
     </a:lvl3pPr>
-    <a:lvl4pPr marL="4665497" algn="l" defTabSz="3110332" rtl="0" eaLnBrk="1" latinLnBrk="0" hangingPunct="1">
-      <a:defRPr sz="6123" kern="1200">
+    <a:lvl4pPr marL="4770844" algn="l" defTabSz="3180563" rtl="0" eaLnBrk="1" latinLnBrk="0" hangingPunct="1">
+      <a:defRPr sz="6261" kern="1200">
         <a:solidFill>
           <a:schemeClr val="tx1"/>
         </a:solidFill>
@@ -53,8 +53,8 @@
         <a:cs typeface="+mn-cs"/>
       </a:defRPr>
     </a:lvl4pPr>
-    <a:lvl5pPr marL="6220663" algn="l" defTabSz="3110332" rtl="0" eaLnBrk="1" latinLnBrk="0" hangingPunct="1">
-      <a:defRPr sz="6123" kern="1200">
+    <a:lvl5pPr marL="6361126" algn="l" defTabSz="3180563" rtl="0" eaLnBrk="1" latinLnBrk="0" hangingPunct="1">
+      <a:defRPr sz="6261" kern="1200">
         <a:solidFill>
           <a:schemeClr val="tx1"/>
         </a:solidFill>
@@ -63,8 +63,8 @@
         <a:cs typeface="+mn-cs"/>
       </a:defRPr>
     </a:lvl5pPr>
-    <a:lvl6pPr marL="7775829" algn="l" defTabSz="3110332" rtl="0" eaLnBrk="1" latinLnBrk="0" hangingPunct="1">
-      <a:defRPr sz="6123" kern="1200">
+    <a:lvl6pPr marL="7951407" algn="l" defTabSz="3180563" rtl="0" eaLnBrk="1" latinLnBrk="0" hangingPunct="1">
+      <a:defRPr sz="6261" kern="1200">
         <a:solidFill>
           <a:schemeClr val="tx1"/>
         </a:solidFill>
@@ -73,8 +73,8 @@
         <a:cs typeface="+mn-cs"/>
       </a:defRPr>
     </a:lvl6pPr>
-    <a:lvl7pPr marL="9330995" algn="l" defTabSz="3110332" rtl="0" eaLnBrk="1" latinLnBrk="0" hangingPunct="1">
-      <a:defRPr sz="6123" kern="1200">
+    <a:lvl7pPr marL="9541689" algn="l" defTabSz="3180563" rtl="0" eaLnBrk="1" latinLnBrk="0" hangingPunct="1">
+      <a:defRPr sz="6261" kern="1200">
         <a:solidFill>
           <a:schemeClr val="tx1"/>
         </a:solidFill>
@@ -83,8 +83,8 @@
         <a:cs typeface="+mn-cs"/>
       </a:defRPr>
     </a:lvl7pPr>
-    <a:lvl8pPr marL="10886161" algn="l" defTabSz="3110332" rtl="0" eaLnBrk="1" latinLnBrk="0" hangingPunct="1">
-      <a:defRPr sz="6123" kern="1200">
+    <a:lvl8pPr marL="11131971" algn="l" defTabSz="3180563" rtl="0" eaLnBrk="1" latinLnBrk="0" hangingPunct="1">
+      <a:defRPr sz="6261" kern="1200">
         <a:solidFill>
           <a:schemeClr val="tx1"/>
         </a:solidFill>
@@ -93,8 +93,8 @@
         <a:cs typeface="+mn-cs"/>
       </a:defRPr>
     </a:lvl8pPr>
-    <a:lvl9pPr marL="12441326" algn="l" defTabSz="3110332" rtl="0" eaLnBrk="1" latinLnBrk="0" hangingPunct="1">
-      <a:defRPr sz="6123" kern="1200">
+    <a:lvl9pPr marL="12722251" algn="l" defTabSz="3180563" rtl="0" eaLnBrk="1" latinLnBrk="0" hangingPunct="1">
+      <a:defRPr sz="6261" kern="1200">
         <a:solidFill>
           <a:schemeClr val="tx1"/>
         </a:solidFill>
@@ -141,15 +141,15 @@
         </p:nvSpPr>
         <p:spPr>
           <a:xfrm>
-            <a:off x="2160032" y="3770568"/>
-            <a:ext cx="24480361" cy="8021120"/>
+            <a:off x="1997988" y="4242116"/>
+            <a:ext cx="22643862" cy="9024244"/>
           </a:xfrm>
         </p:spPr>
         <p:txBody>
           <a:bodyPr anchor="b"/>
           <a:lstStyle>
             <a:lvl1pPr algn="ctr">
-              <a:defRPr sz="18898"/>
+              <a:defRPr sz="17480"/>
             </a:lvl1pPr>
           </a:lstStyle>
           <a:p>
@@ -173,8 +173,8 @@
         </p:nvSpPr>
         <p:spPr>
           <a:xfrm>
-            <a:off x="3600053" y="12101014"/>
-            <a:ext cx="21600319" cy="5562517"/>
+            <a:off x="3329980" y="13614370"/>
+            <a:ext cx="19979879" cy="6258167"/>
           </a:xfrm>
         </p:spPr>
         <p:txBody>
@@ -182,39 +182,39 @@
           <a:lstStyle>
             <a:lvl1pPr marL="0" indent="0" algn="ctr">
               <a:buNone/>
-              <a:defRPr sz="7559"/>
+              <a:defRPr sz="6992"/>
             </a:lvl1pPr>
-            <a:lvl2pPr marL="1440043" indent="0" algn="ctr">
-              <a:buNone/>
-              <a:defRPr sz="6299"/>
+            <a:lvl2pPr marL="1332006" indent="0" algn="ctr">
+              <a:buNone/>
+              <a:defRPr sz="5827"/>
             </a:lvl2pPr>
-            <a:lvl3pPr marL="2880086" indent="0" algn="ctr">
-              <a:buNone/>
-              <a:defRPr sz="5669"/>
+            <a:lvl3pPr marL="2664013" indent="0" algn="ctr">
+              <a:buNone/>
+              <a:defRPr sz="5244"/>
             </a:lvl3pPr>
-            <a:lvl4pPr marL="4320129" indent="0" algn="ctr">
-              <a:buNone/>
-              <a:defRPr sz="5040"/>
+            <a:lvl4pPr marL="3996019" indent="0" algn="ctr">
+              <a:buNone/>
+              <a:defRPr sz="4661"/>
             </a:lvl4pPr>
-            <a:lvl5pPr marL="5760171" indent="0" algn="ctr">
-              <a:buNone/>
-              <a:defRPr sz="5040"/>
+            <a:lvl5pPr marL="5328026" indent="0" algn="ctr">
+              <a:buNone/>
+              <a:defRPr sz="4661"/>
             </a:lvl5pPr>
-            <a:lvl6pPr marL="7200214" indent="0" algn="ctr">
-              <a:buNone/>
-              <a:defRPr sz="5040"/>
+            <a:lvl6pPr marL="6660032" indent="0" algn="ctr">
+              <a:buNone/>
+              <a:defRPr sz="4661"/>
             </a:lvl6pPr>
-            <a:lvl7pPr marL="8640257" indent="0" algn="ctr">
-              <a:buNone/>
-              <a:defRPr sz="5040"/>
+            <a:lvl7pPr marL="7992039" indent="0" algn="ctr">
+              <a:buNone/>
+              <a:defRPr sz="4661"/>
             </a:lvl7pPr>
-            <a:lvl8pPr marL="10080300" indent="0" algn="ctr">
-              <a:buNone/>
-              <a:defRPr sz="5040"/>
+            <a:lvl8pPr marL="9324045" indent="0" algn="ctr">
+              <a:buNone/>
+              <a:defRPr sz="4661"/>
             </a:lvl8pPr>
-            <a:lvl9pPr marL="11520343" indent="0" algn="ctr">
-              <a:buNone/>
-              <a:defRPr sz="5040"/>
+            <a:lvl9pPr marL="10656052" indent="0" algn="ctr">
+              <a:buNone/>
+              <a:defRPr sz="4661"/>
             </a:lvl9pPr>
           </a:lstStyle>
           <a:p>
@@ -243,7 +243,7 @@
           <a:p>
             <a:fld id="{13B4EEC1-59A0-6147-A616-EE74AE21FFF0}" type="datetimeFigureOut">
               <a:rPr lang="en-US" smtClean="0"/>
-              <a:t>9/6/17</a:t>
+              <a:t>1/29/18</a:t>
             </a:fld>
             <a:endParaRPr lang="en-US"/>
           </a:p>
@@ -408,7 +408,7 @@
           <a:p>
             <a:fld id="{13B4EEC1-59A0-6147-A616-EE74AE21FFF0}" type="datetimeFigureOut">
               <a:rPr lang="en-US" smtClean="0"/>
-              <a:t>9/6/17</a:t>
+              <a:t>1/29/18</a:t>
             </a:fld>
             <a:endParaRPr lang="en-US"/>
           </a:p>
@@ -493,8 +493,8 @@
         </p:nvSpPr>
         <p:spPr>
           <a:xfrm>
-            <a:off x="20610306" y="1226634"/>
-            <a:ext cx="6210092" cy="19524816"/>
+            <a:off x="19064136" y="1380037"/>
+            <a:ext cx="5744215" cy="21966595"/>
           </a:xfrm>
         </p:spPr>
         <p:txBody>
@@ -521,8 +521,8 @@
         </p:nvSpPr>
         <p:spPr>
           <a:xfrm>
-            <a:off x="1980031" y="1226634"/>
-            <a:ext cx="18270270" cy="19524816"/>
+            <a:off x="1831490" y="1380037"/>
+            <a:ext cx="16899647" cy="21966595"/>
           </a:xfrm>
         </p:spPr>
         <p:txBody>
@@ -583,7 +583,7 @@
           <a:p>
             <a:fld id="{13B4EEC1-59A0-6147-A616-EE74AE21FFF0}" type="datetimeFigureOut">
               <a:rPr lang="en-US" smtClean="0"/>
-              <a:t>9/6/17</a:t>
+              <a:t>1/29/18</a:t>
             </a:fld>
             <a:endParaRPr lang="en-US"/>
           </a:p>
@@ -748,7 +748,7 @@
           <a:p>
             <a:fld id="{13B4EEC1-59A0-6147-A616-EE74AE21FFF0}" type="datetimeFigureOut">
               <a:rPr lang="en-US" smtClean="0"/>
-              <a:t>9/6/17</a:t>
+              <a:t>1/29/18</a:t>
             </a:fld>
             <a:endParaRPr lang="en-US"/>
           </a:p>
@@ -833,15 +833,15 @@
         </p:nvSpPr>
         <p:spPr>
           <a:xfrm>
-            <a:off x="1965030" y="5743854"/>
-            <a:ext cx="24840367" cy="9583744"/>
+            <a:off x="1817616" y="6462182"/>
+            <a:ext cx="22976860" cy="10782289"/>
           </a:xfrm>
         </p:spPr>
         <p:txBody>
           <a:bodyPr anchor="b"/>
           <a:lstStyle>
             <a:lvl1pPr>
-              <a:defRPr sz="18898"/>
+              <a:defRPr sz="17480"/>
             </a:lvl1pPr>
           </a:lstStyle>
           <a:p>
@@ -865,8 +865,8 @@
         </p:nvSpPr>
         <p:spPr>
           <a:xfrm>
-            <a:off x="1965030" y="15418264"/>
-            <a:ext cx="24840367" cy="5039864"/>
+            <a:off x="1817616" y="17346476"/>
+            <a:ext cx="22976860" cy="5670151"/>
           </a:xfrm>
         </p:spPr>
         <p:txBody>
@@ -874,15 +874,15 @@
           <a:lstStyle>
             <a:lvl1pPr marL="0" indent="0">
               <a:buNone/>
-              <a:defRPr sz="7559">
+              <a:defRPr sz="6992">
                 <a:solidFill>
                   <a:schemeClr val="tx1"/>
                 </a:solidFill>
               </a:defRPr>
             </a:lvl1pPr>
-            <a:lvl2pPr marL="1440043" indent="0">
-              <a:buNone/>
-              <a:defRPr sz="6299">
+            <a:lvl2pPr marL="1332006" indent="0">
+              <a:buNone/>
+              <a:defRPr sz="5827">
                 <a:solidFill>
                   <a:schemeClr val="tx1">
                     <a:tint val="75000"/>
@@ -890,9 +890,9 @@
                 </a:solidFill>
               </a:defRPr>
             </a:lvl2pPr>
-            <a:lvl3pPr marL="2880086" indent="0">
-              <a:buNone/>
-              <a:defRPr sz="5669">
+            <a:lvl3pPr marL="2664013" indent="0">
+              <a:buNone/>
+              <a:defRPr sz="5244">
                 <a:solidFill>
                   <a:schemeClr val="tx1">
                     <a:tint val="75000"/>
@@ -900,9 +900,9 @@
                 </a:solidFill>
               </a:defRPr>
             </a:lvl3pPr>
-            <a:lvl4pPr marL="4320129" indent="0">
-              <a:buNone/>
-              <a:defRPr sz="5040">
+            <a:lvl4pPr marL="3996019" indent="0">
+              <a:buNone/>
+              <a:defRPr sz="4661">
                 <a:solidFill>
                   <a:schemeClr val="tx1">
                     <a:tint val="75000"/>
@@ -910,9 +910,9 @@
                 </a:solidFill>
               </a:defRPr>
             </a:lvl4pPr>
-            <a:lvl5pPr marL="5760171" indent="0">
-              <a:buNone/>
-              <a:defRPr sz="5040">
+            <a:lvl5pPr marL="5328026" indent="0">
+              <a:buNone/>
+              <a:defRPr sz="4661">
                 <a:solidFill>
                   <a:schemeClr val="tx1">
                     <a:tint val="75000"/>
@@ -920,9 +920,9 @@
                 </a:solidFill>
               </a:defRPr>
             </a:lvl5pPr>
-            <a:lvl6pPr marL="7200214" indent="0">
-              <a:buNone/>
-              <a:defRPr sz="5040">
+            <a:lvl6pPr marL="6660032" indent="0">
+              <a:buNone/>
+              <a:defRPr sz="4661">
                 <a:solidFill>
                   <a:schemeClr val="tx1">
                     <a:tint val="75000"/>
@@ -930,9 +930,9 @@
                 </a:solidFill>
               </a:defRPr>
             </a:lvl6pPr>
-            <a:lvl7pPr marL="8640257" indent="0">
-              <a:buNone/>
-              <a:defRPr sz="5040">
+            <a:lvl7pPr marL="7992039" indent="0">
+              <a:buNone/>
+              <a:defRPr sz="4661">
                 <a:solidFill>
                   <a:schemeClr val="tx1">
                     <a:tint val="75000"/>
@@ -940,9 +940,9 @@
                 </a:solidFill>
               </a:defRPr>
             </a:lvl7pPr>
-            <a:lvl8pPr marL="10080300" indent="0">
-              <a:buNone/>
-              <a:defRPr sz="5040">
+            <a:lvl8pPr marL="9324045" indent="0">
+              <a:buNone/>
+              <a:defRPr sz="4661">
                 <a:solidFill>
                   <a:schemeClr val="tx1">
                     <a:tint val="75000"/>
@@ -950,9 +950,9 @@
                 </a:solidFill>
               </a:defRPr>
             </a:lvl8pPr>
-            <a:lvl9pPr marL="11520343" indent="0">
-              <a:buNone/>
-              <a:defRPr sz="5040">
+            <a:lvl9pPr marL="10656052" indent="0">
+              <a:buNone/>
+              <a:defRPr sz="4661">
                 <a:solidFill>
                   <a:schemeClr val="tx1">
                     <a:tint val="75000"/>
@@ -987,7 +987,7 @@
           <a:p>
             <a:fld id="{13B4EEC1-59A0-6147-A616-EE74AE21FFF0}" type="datetimeFigureOut">
               <a:rPr lang="en-US" smtClean="0"/>
-              <a:t>9/6/17</a:t>
+              <a:t>1/29/18</a:t>
             </a:fld>
             <a:endParaRPr lang="en-US"/>
           </a:p>
@@ -1095,8 +1095,8 @@
         </p:nvSpPr>
         <p:spPr>
           <a:xfrm>
-            <a:off x="1980029" y="6133170"/>
-            <a:ext cx="12240181" cy="14618280"/>
+            <a:off x="1831489" y="6900186"/>
+            <a:ext cx="11321931" cy="16446446"/>
           </a:xfrm>
         </p:spPr>
         <p:txBody>
@@ -1152,8 +1152,8 @@
         </p:nvSpPr>
         <p:spPr>
           <a:xfrm>
-            <a:off x="14580215" y="6133170"/>
-            <a:ext cx="12240181" cy="14618280"/>
+            <a:off x="13486418" y="6900186"/>
+            <a:ext cx="11321931" cy="16446446"/>
           </a:xfrm>
         </p:spPr>
         <p:txBody>
@@ -1214,7 +1214,7 @@
           <a:p>
             <a:fld id="{13B4EEC1-59A0-6147-A616-EE74AE21FFF0}" type="datetimeFigureOut">
               <a:rPr lang="en-US" smtClean="0"/>
-              <a:t>9/6/17</a:t>
+              <a:t>1/29/18</a:t>
             </a:fld>
             <a:endParaRPr lang="en-US"/>
           </a:p>
@@ -1299,8 +1299,8 @@
         </p:nvSpPr>
         <p:spPr>
           <a:xfrm>
-            <a:off x="1983780" y="1226639"/>
-            <a:ext cx="24840367" cy="4453217"/>
+            <a:off x="1834959" y="1380043"/>
+            <a:ext cx="22976860" cy="5010137"/>
           </a:xfrm>
         </p:spPr>
         <p:txBody>
@@ -1327,8 +1327,8 @@
         </p:nvSpPr>
         <p:spPr>
           <a:xfrm>
-            <a:off x="1983784" y="5647852"/>
-            <a:ext cx="12183928" cy="2767925"/>
+            <a:off x="1834962" y="6354174"/>
+            <a:ext cx="11269898" cy="3114082"/>
           </a:xfrm>
         </p:spPr>
         <p:txBody>
@@ -1336,39 +1336,39 @@
           <a:lstStyle>
             <a:lvl1pPr marL="0" indent="0">
               <a:buNone/>
-              <a:defRPr sz="7559" b="1"/>
+              <a:defRPr sz="6992" b="1"/>
             </a:lvl1pPr>
-            <a:lvl2pPr marL="1440043" indent="0">
-              <a:buNone/>
-              <a:defRPr sz="6299" b="1"/>
+            <a:lvl2pPr marL="1332006" indent="0">
+              <a:buNone/>
+              <a:defRPr sz="5827" b="1"/>
             </a:lvl2pPr>
-            <a:lvl3pPr marL="2880086" indent="0">
-              <a:buNone/>
-              <a:defRPr sz="5669" b="1"/>
+            <a:lvl3pPr marL="2664013" indent="0">
+              <a:buNone/>
+              <a:defRPr sz="5244" b="1"/>
             </a:lvl3pPr>
-            <a:lvl4pPr marL="4320129" indent="0">
-              <a:buNone/>
-              <a:defRPr sz="5040" b="1"/>
+            <a:lvl4pPr marL="3996019" indent="0">
+              <a:buNone/>
+              <a:defRPr sz="4661" b="1"/>
             </a:lvl4pPr>
-            <a:lvl5pPr marL="5760171" indent="0">
-              <a:buNone/>
-              <a:defRPr sz="5040" b="1"/>
+            <a:lvl5pPr marL="5328026" indent="0">
+              <a:buNone/>
+              <a:defRPr sz="4661" b="1"/>
             </a:lvl5pPr>
-            <a:lvl6pPr marL="7200214" indent="0">
-              <a:buNone/>
-              <a:defRPr sz="5040" b="1"/>
+            <a:lvl6pPr marL="6660032" indent="0">
+              <a:buNone/>
+              <a:defRPr sz="4661" b="1"/>
             </a:lvl6pPr>
-            <a:lvl7pPr marL="8640257" indent="0">
-              <a:buNone/>
-              <a:defRPr sz="5040" b="1"/>
+            <a:lvl7pPr marL="7992039" indent="0">
+              <a:buNone/>
+              <a:defRPr sz="4661" b="1"/>
             </a:lvl7pPr>
-            <a:lvl8pPr marL="10080300" indent="0">
-              <a:buNone/>
-              <a:defRPr sz="5040" b="1"/>
+            <a:lvl8pPr marL="9324045" indent="0">
+              <a:buNone/>
+              <a:defRPr sz="4661" b="1"/>
             </a:lvl8pPr>
-            <a:lvl9pPr marL="11520343" indent="0">
-              <a:buNone/>
-              <a:defRPr sz="5040" b="1"/>
+            <a:lvl9pPr marL="10656052" indent="0">
+              <a:buNone/>
+              <a:defRPr sz="4661" b="1"/>
             </a:lvl9pPr>
           </a:lstStyle>
           <a:p>
@@ -1392,8 +1392,8 @@
         </p:nvSpPr>
         <p:spPr>
           <a:xfrm>
-            <a:off x="1983784" y="8415776"/>
-            <a:ext cx="12183928" cy="12378340"/>
+            <a:off x="1834962" y="9468256"/>
+            <a:ext cx="11269898" cy="13926378"/>
           </a:xfrm>
         </p:spPr>
         <p:txBody>
@@ -1449,8 +1449,8 @@
         </p:nvSpPr>
         <p:spPr>
           <a:xfrm>
-            <a:off x="14580217" y="5647852"/>
-            <a:ext cx="12243932" cy="2767925"/>
+            <a:off x="13486419" y="6354174"/>
+            <a:ext cx="11325401" cy="3114082"/>
           </a:xfrm>
         </p:spPr>
         <p:txBody>
@@ -1458,39 +1458,39 @@
           <a:lstStyle>
             <a:lvl1pPr marL="0" indent="0">
               <a:buNone/>
-              <a:defRPr sz="7559" b="1"/>
+              <a:defRPr sz="6992" b="1"/>
             </a:lvl1pPr>
-            <a:lvl2pPr marL="1440043" indent="0">
-              <a:buNone/>
-              <a:defRPr sz="6299" b="1"/>
+            <a:lvl2pPr marL="1332006" indent="0">
+              <a:buNone/>
+              <a:defRPr sz="5827" b="1"/>
             </a:lvl2pPr>
-            <a:lvl3pPr marL="2880086" indent="0">
-              <a:buNone/>
-              <a:defRPr sz="5669" b="1"/>
+            <a:lvl3pPr marL="2664013" indent="0">
+              <a:buNone/>
+              <a:defRPr sz="5244" b="1"/>
             </a:lvl3pPr>
-            <a:lvl4pPr marL="4320129" indent="0">
-              <a:buNone/>
-              <a:defRPr sz="5040" b="1"/>
+            <a:lvl4pPr marL="3996019" indent="0">
+              <a:buNone/>
+              <a:defRPr sz="4661" b="1"/>
             </a:lvl4pPr>
-            <a:lvl5pPr marL="5760171" indent="0">
-              <a:buNone/>
-              <a:defRPr sz="5040" b="1"/>
+            <a:lvl5pPr marL="5328026" indent="0">
+              <a:buNone/>
+              <a:defRPr sz="4661" b="1"/>
             </a:lvl5pPr>
-            <a:lvl6pPr marL="7200214" indent="0">
-              <a:buNone/>
-              <a:defRPr sz="5040" b="1"/>
+            <a:lvl6pPr marL="6660032" indent="0">
+              <a:buNone/>
+              <a:defRPr sz="4661" b="1"/>
             </a:lvl6pPr>
-            <a:lvl7pPr marL="8640257" indent="0">
-              <a:buNone/>
-              <a:defRPr sz="5040" b="1"/>
+            <a:lvl7pPr marL="7992039" indent="0">
+              <a:buNone/>
+              <a:defRPr sz="4661" b="1"/>
             </a:lvl7pPr>
-            <a:lvl8pPr marL="10080300" indent="0">
-              <a:buNone/>
-              <a:defRPr sz="5040" b="1"/>
+            <a:lvl8pPr marL="9324045" indent="0">
+              <a:buNone/>
+              <a:defRPr sz="4661" b="1"/>
             </a:lvl8pPr>
-            <a:lvl9pPr marL="11520343" indent="0">
-              <a:buNone/>
-              <a:defRPr sz="5040" b="1"/>
+            <a:lvl9pPr marL="10656052" indent="0">
+              <a:buNone/>
+              <a:defRPr sz="4661" b="1"/>
             </a:lvl9pPr>
           </a:lstStyle>
           <a:p>
@@ -1514,8 +1514,8 @@
         </p:nvSpPr>
         <p:spPr>
           <a:xfrm>
-            <a:off x="14580217" y="8415776"/>
-            <a:ext cx="12243932" cy="12378340"/>
+            <a:off x="13486419" y="9468256"/>
+            <a:ext cx="11325401" cy="13926378"/>
           </a:xfrm>
         </p:spPr>
         <p:txBody>
@@ -1576,7 +1576,7 @@
           <a:p>
             <a:fld id="{13B4EEC1-59A0-6147-A616-EE74AE21FFF0}" type="datetimeFigureOut">
               <a:rPr lang="en-US" smtClean="0"/>
-              <a:t>9/6/17</a:t>
+              <a:t>1/29/18</a:t>
             </a:fld>
             <a:endParaRPr lang="en-US"/>
           </a:p>
@@ -1689,7 +1689,7 @@
           <a:p>
             <a:fld id="{13B4EEC1-59A0-6147-A616-EE74AE21FFF0}" type="datetimeFigureOut">
               <a:rPr lang="en-US" smtClean="0"/>
-              <a:t>9/6/17</a:t>
+              <a:t>1/29/18</a:t>
             </a:fld>
             <a:endParaRPr lang="en-US"/>
           </a:p>
@@ -1779,7 +1779,7 @@
           <a:p>
             <a:fld id="{13B4EEC1-59A0-6147-A616-EE74AE21FFF0}" type="datetimeFigureOut">
               <a:rPr lang="en-US" smtClean="0"/>
-              <a:t>9/6/17</a:t>
+              <a:t>1/29/18</a:t>
             </a:fld>
             <a:endParaRPr lang="en-US"/>
           </a:p>
@@ -1864,15 +1864,15 @@
         </p:nvSpPr>
         <p:spPr>
           <a:xfrm>
-            <a:off x="1983780" y="1535959"/>
-            <a:ext cx="9288887" cy="5375857"/>
+            <a:off x="1834959" y="1728047"/>
+            <a:ext cx="8592041" cy="6048163"/>
           </a:xfrm>
         </p:spPr>
         <p:txBody>
           <a:bodyPr anchor="b"/>
           <a:lstStyle>
             <a:lvl1pPr>
-              <a:defRPr sz="10079"/>
+              <a:defRPr sz="9323"/>
             </a:lvl1pPr>
           </a:lstStyle>
           <a:p>
@@ -1896,39 +1896,39 @@
         </p:nvSpPr>
         <p:spPr>
           <a:xfrm>
-            <a:off x="12243932" y="3317250"/>
-            <a:ext cx="14580215" cy="16372898"/>
+            <a:off x="11325401" y="3732107"/>
+            <a:ext cx="13486418" cy="18420497"/>
           </a:xfrm>
         </p:spPr>
         <p:txBody>
           <a:bodyPr/>
           <a:lstStyle>
             <a:lvl1pPr>
-              <a:defRPr sz="10079"/>
+              <a:defRPr sz="9323"/>
             </a:lvl1pPr>
             <a:lvl2pPr>
-              <a:defRPr sz="8819"/>
+              <a:defRPr sz="8158"/>
             </a:lvl2pPr>
             <a:lvl3pPr>
-              <a:defRPr sz="7559"/>
+              <a:defRPr sz="6992"/>
             </a:lvl3pPr>
             <a:lvl4pPr>
-              <a:defRPr sz="6299"/>
+              <a:defRPr sz="5827"/>
             </a:lvl4pPr>
             <a:lvl5pPr>
-              <a:defRPr sz="6299"/>
+              <a:defRPr sz="5827"/>
             </a:lvl5pPr>
             <a:lvl6pPr>
-              <a:defRPr sz="6299"/>
+              <a:defRPr sz="5827"/>
             </a:lvl6pPr>
             <a:lvl7pPr>
-              <a:defRPr sz="6299"/>
+              <a:defRPr sz="5827"/>
             </a:lvl7pPr>
             <a:lvl8pPr>
-              <a:defRPr sz="6299"/>
+              <a:defRPr sz="5827"/>
             </a:lvl8pPr>
             <a:lvl9pPr>
-              <a:defRPr sz="6299"/>
+              <a:defRPr sz="5827"/>
             </a:lvl9pPr>
           </a:lstStyle>
           <a:p>
@@ -1981,8 +1981,8 @@
         </p:nvSpPr>
         <p:spPr>
           <a:xfrm>
-            <a:off x="1983780" y="6911816"/>
-            <a:ext cx="9288887" cy="12804995"/>
+            <a:off x="1834959" y="7776210"/>
+            <a:ext cx="8592041" cy="14406391"/>
           </a:xfrm>
         </p:spPr>
         <p:txBody>
@@ -1990,39 +1990,39 @@
           <a:lstStyle>
             <a:lvl1pPr marL="0" indent="0">
               <a:buNone/>
-              <a:defRPr sz="5040"/>
+              <a:defRPr sz="4661"/>
             </a:lvl1pPr>
-            <a:lvl2pPr marL="1440043" indent="0">
-              <a:buNone/>
-              <a:defRPr sz="4410"/>
+            <a:lvl2pPr marL="1332006" indent="0">
+              <a:buNone/>
+              <a:defRPr sz="4079"/>
             </a:lvl2pPr>
-            <a:lvl3pPr marL="2880086" indent="0">
-              <a:buNone/>
-              <a:defRPr sz="3780"/>
+            <a:lvl3pPr marL="2664013" indent="0">
+              <a:buNone/>
+              <a:defRPr sz="3496"/>
             </a:lvl3pPr>
-            <a:lvl4pPr marL="4320129" indent="0">
-              <a:buNone/>
-              <a:defRPr sz="3150"/>
+            <a:lvl4pPr marL="3996019" indent="0">
+              <a:buNone/>
+              <a:defRPr sz="2913"/>
             </a:lvl4pPr>
-            <a:lvl5pPr marL="5760171" indent="0">
-              <a:buNone/>
-              <a:defRPr sz="3150"/>
+            <a:lvl5pPr marL="5328026" indent="0">
+              <a:buNone/>
+              <a:defRPr sz="2913"/>
             </a:lvl5pPr>
-            <a:lvl6pPr marL="7200214" indent="0">
-              <a:buNone/>
-              <a:defRPr sz="3150"/>
+            <a:lvl6pPr marL="6660032" indent="0">
+              <a:buNone/>
+              <a:defRPr sz="2913"/>
             </a:lvl6pPr>
-            <a:lvl7pPr marL="8640257" indent="0">
-              <a:buNone/>
-              <a:defRPr sz="3150"/>
+            <a:lvl7pPr marL="7992039" indent="0">
+              <a:buNone/>
+              <a:defRPr sz="2913"/>
             </a:lvl7pPr>
-            <a:lvl8pPr marL="10080300" indent="0">
-              <a:buNone/>
-              <a:defRPr sz="3150"/>
+            <a:lvl8pPr marL="9324045" indent="0">
+              <a:buNone/>
+              <a:defRPr sz="2913"/>
             </a:lvl8pPr>
-            <a:lvl9pPr marL="11520343" indent="0">
-              <a:buNone/>
-              <a:defRPr sz="3150"/>
+            <a:lvl9pPr marL="10656052" indent="0">
+              <a:buNone/>
+              <a:defRPr sz="2913"/>
             </a:lvl9pPr>
           </a:lstStyle>
           <a:p>
@@ -2051,7 +2051,7 @@
           <a:p>
             <a:fld id="{13B4EEC1-59A0-6147-A616-EE74AE21FFF0}" type="datetimeFigureOut">
               <a:rPr lang="en-US" smtClean="0"/>
-              <a:t>9/6/17</a:t>
+              <a:t>1/29/18</a:t>
             </a:fld>
             <a:endParaRPr lang="en-US"/>
           </a:p>
@@ -2136,15 +2136,15 @@
         </p:nvSpPr>
         <p:spPr>
           <a:xfrm>
-            <a:off x="1983780" y="1535959"/>
-            <a:ext cx="9288887" cy="5375857"/>
+            <a:off x="1834959" y="1728047"/>
+            <a:ext cx="8592041" cy="6048163"/>
           </a:xfrm>
         </p:spPr>
         <p:txBody>
           <a:bodyPr anchor="b"/>
           <a:lstStyle>
             <a:lvl1pPr>
-              <a:defRPr sz="10079"/>
+              <a:defRPr sz="9323"/>
             </a:lvl1pPr>
           </a:lstStyle>
           <a:p>
@@ -2168,8 +2168,8 @@
         </p:nvSpPr>
         <p:spPr>
           <a:xfrm>
-            <a:off x="12243932" y="3317250"/>
-            <a:ext cx="14580215" cy="16372898"/>
+            <a:off x="11325401" y="3732107"/>
+            <a:ext cx="13486418" cy="18420497"/>
           </a:xfrm>
         </p:spPr>
         <p:txBody>
@@ -2177,39 +2177,39 @@
           <a:lstStyle>
             <a:lvl1pPr marL="0" indent="0">
               <a:buNone/>
-              <a:defRPr sz="10079"/>
+              <a:defRPr sz="9323"/>
             </a:lvl1pPr>
-            <a:lvl2pPr marL="1440043" indent="0">
-              <a:buNone/>
-              <a:defRPr sz="8819"/>
+            <a:lvl2pPr marL="1332006" indent="0">
+              <a:buNone/>
+              <a:defRPr sz="8158"/>
             </a:lvl2pPr>
-            <a:lvl3pPr marL="2880086" indent="0">
-              <a:buNone/>
-              <a:defRPr sz="7559"/>
+            <a:lvl3pPr marL="2664013" indent="0">
+              <a:buNone/>
+              <a:defRPr sz="6992"/>
             </a:lvl3pPr>
-            <a:lvl4pPr marL="4320129" indent="0">
-              <a:buNone/>
-              <a:defRPr sz="6299"/>
+            <a:lvl4pPr marL="3996019" indent="0">
+              <a:buNone/>
+              <a:defRPr sz="5827"/>
             </a:lvl4pPr>
-            <a:lvl5pPr marL="5760171" indent="0">
-              <a:buNone/>
-              <a:defRPr sz="6299"/>
+            <a:lvl5pPr marL="5328026" indent="0">
+              <a:buNone/>
+              <a:defRPr sz="5827"/>
             </a:lvl5pPr>
-            <a:lvl6pPr marL="7200214" indent="0">
-              <a:buNone/>
-              <a:defRPr sz="6299"/>
+            <a:lvl6pPr marL="6660032" indent="0">
+              <a:buNone/>
+              <a:defRPr sz="5827"/>
             </a:lvl6pPr>
-            <a:lvl7pPr marL="8640257" indent="0">
-              <a:buNone/>
-              <a:defRPr sz="6299"/>
+            <a:lvl7pPr marL="7992039" indent="0">
+              <a:buNone/>
+              <a:defRPr sz="5827"/>
             </a:lvl7pPr>
-            <a:lvl8pPr marL="10080300" indent="0">
-              <a:buNone/>
-              <a:defRPr sz="6299"/>
+            <a:lvl8pPr marL="9324045" indent="0">
+              <a:buNone/>
+              <a:defRPr sz="5827"/>
             </a:lvl8pPr>
-            <a:lvl9pPr marL="11520343" indent="0">
-              <a:buNone/>
-              <a:defRPr sz="6299"/>
+            <a:lvl9pPr marL="10656052" indent="0">
+              <a:buNone/>
+              <a:defRPr sz="5827"/>
             </a:lvl9pPr>
           </a:lstStyle>
           <a:p>
@@ -2233,8 +2233,8 @@
         </p:nvSpPr>
         <p:spPr>
           <a:xfrm>
-            <a:off x="1983780" y="6911816"/>
-            <a:ext cx="9288887" cy="12804995"/>
+            <a:off x="1834959" y="7776210"/>
+            <a:ext cx="8592041" cy="14406391"/>
           </a:xfrm>
         </p:spPr>
         <p:txBody>
@@ -2242,39 +2242,39 @@
           <a:lstStyle>
             <a:lvl1pPr marL="0" indent="0">
               <a:buNone/>
-              <a:defRPr sz="5040"/>
+              <a:defRPr sz="4661"/>
             </a:lvl1pPr>
-            <a:lvl2pPr marL="1440043" indent="0">
-              <a:buNone/>
-              <a:defRPr sz="4410"/>
+            <a:lvl2pPr marL="1332006" indent="0">
+              <a:buNone/>
+              <a:defRPr sz="4079"/>
             </a:lvl2pPr>
-            <a:lvl3pPr marL="2880086" indent="0">
-              <a:buNone/>
-              <a:defRPr sz="3780"/>
+            <a:lvl3pPr marL="2664013" indent="0">
+              <a:buNone/>
+              <a:defRPr sz="3496"/>
             </a:lvl3pPr>
-            <a:lvl4pPr marL="4320129" indent="0">
-              <a:buNone/>
-              <a:defRPr sz="3150"/>
+            <a:lvl4pPr marL="3996019" indent="0">
+              <a:buNone/>
+              <a:defRPr sz="2913"/>
             </a:lvl4pPr>
-            <a:lvl5pPr marL="5760171" indent="0">
-              <a:buNone/>
-              <a:defRPr sz="3150"/>
+            <a:lvl5pPr marL="5328026" indent="0">
+              <a:buNone/>
+              <a:defRPr sz="2913"/>
             </a:lvl5pPr>
-            <a:lvl6pPr marL="7200214" indent="0">
-              <a:buNone/>
-              <a:defRPr sz="3150"/>
+            <a:lvl6pPr marL="6660032" indent="0">
+              <a:buNone/>
+              <a:defRPr sz="2913"/>
             </a:lvl6pPr>
-            <a:lvl7pPr marL="8640257" indent="0">
-              <a:buNone/>
-              <a:defRPr sz="3150"/>
+            <a:lvl7pPr marL="7992039" indent="0">
+              <a:buNone/>
+              <a:defRPr sz="2913"/>
             </a:lvl7pPr>
-            <a:lvl8pPr marL="10080300" indent="0">
-              <a:buNone/>
-              <a:defRPr sz="3150"/>
+            <a:lvl8pPr marL="9324045" indent="0">
+              <a:buNone/>
+              <a:defRPr sz="2913"/>
             </a:lvl8pPr>
-            <a:lvl9pPr marL="11520343" indent="0">
-              <a:buNone/>
-              <a:defRPr sz="3150"/>
+            <a:lvl9pPr marL="10656052" indent="0">
+              <a:buNone/>
+              <a:defRPr sz="2913"/>
             </a:lvl9pPr>
           </a:lstStyle>
           <a:p>
@@ -2303,7 +2303,7 @@
           <a:p>
             <a:fld id="{13B4EEC1-59A0-6147-A616-EE74AE21FFF0}" type="datetimeFigureOut">
               <a:rPr lang="en-US" smtClean="0"/>
-              <a:t>9/6/17</a:t>
+              <a:t>1/29/18</a:t>
             </a:fld>
             <a:endParaRPr lang="en-US"/>
           </a:p>
@@ -2393,8 +2393,8 @@
         </p:nvSpPr>
         <p:spPr>
           <a:xfrm>
-            <a:off x="1980029" y="1226639"/>
-            <a:ext cx="24840367" cy="4453217"/>
+            <a:off x="1831489" y="1380043"/>
+            <a:ext cx="22976860" cy="5010137"/>
           </a:xfrm>
           <a:prstGeom prst="rect">
             <a:avLst/>
@@ -2426,8 +2426,8 @@
         </p:nvSpPr>
         <p:spPr>
           <a:xfrm>
-            <a:off x="1980029" y="6133170"/>
-            <a:ext cx="24840367" cy="14618280"/>
+            <a:off x="1831489" y="6900186"/>
+            <a:ext cx="22976860" cy="16446446"/>
           </a:xfrm>
           <a:prstGeom prst="rect">
             <a:avLst/>
@@ -2488,8 +2488,8 @@
         </p:nvSpPr>
         <p:spPr>
           <a:xfrm>
-            <a:off x="1980029" y="21354105"/>
-            <a:ext cx="6480096" cy="1226634"/>
+            <a:off x="1831489" y="24024655"/>
+            <a:ext cx="5993964" cy="1380037"/>
           </a:xfrm>
           <a:prstGeom prst="rect">
             <a:avLst/>
@@ -2499,7 +2499,7 @@
           <a:bodyPr vert="horz" lIns="91440" tIns="45720" rIns="91440" bIns="45720" rtlCol="0" anchor="ctr"/>
           <a:lstStyle>
             <a:lvl1pPr algn="l">
-              <a:defRPr sz="3780">
+              <a:defRPr sz="3496">
                 <a:solidFill>
                   <a:schemeClr val="tx1">
                     <a:tint val="75000"/>
@@ -2511,7 +2511,7 @@
           <a:p>
             <a:fld id="{13B4EEC1-59A0-6147-A616-EE74AE21FFF0}" type="datetimeFigureOut">
               <a:rPr lang="en-US" smtClean="0"/>
-              <a:t>9/6/17</a:t>
+              <a:t>1/29/18</a:t>
             </a:fld>
             <a:endParaRPr lang="en-US"/>
           </a:p>
@@ -2529,8 +2529,8 @@
         </p:nvSpPr>
         <p:spPr>
           <a:xfrm>
-            <a:off x="9540141" y="21354105"/>
-            <a:ext cx="9720143" cy="1226634"/>
+            <a:off x="8824447" y="24024655"/>
+            <a:ext cx="8990945" cy="1380037"/>
           </a:xfrm>
           <a:prstGeom prst="rect">
             <a:avLst/>
@@ -2540,7 +2540,7 @@
           <a:bodyPr vert="horz" lIns="91440" tIns="45720" rIns="91440" bIns="45720" rtlCol="0" anchor="ctr"/>
           <a:lstStyle>
             <a:lvl1pPr algn="ctr">
-              <a:defRPr sz="3780">
+              <a:defRPr sz="3496">
                 <a:solidFill>
                   <a:schemeClr val="tx1">
                     <a:tint val="75000"/>
@@ -2566,8 +2566,8 @@
         </p:nvSpPr>
         <p:spPr>
           <a:xfrm>
-            <a:off x="20340300" y="21354105"/>
-            <a:ext cx="6480096" cy="1226634"/>
+            <a:off x="18814385" y="24024655"/>
+            <a:ext cx="5993964" cy="1380037"/>
           </a:xfrm>
           <a:prstGeom prst="rect">
             <a:avLst/>
@@ -2577,7 +2577,7 @@
           <a:bodyPr vert="horz" lIns="91440" tIns="45720" rIns="91440" bIns="45720" rtlCol="0" anchor="ctr"/>
           <a:lstStyle>
             <a:lvl1pPr algn="r">
-              <a:defRPr sz="3780">
+              <a:defRPr sz="3496">
                 <a:solidFill>
                   <a:schemeClr val="tx1">
                     <a:tint val="75000"/>
@@ -2598,27 +2598,27 @@
     </p:spTree>
     <p:extLst>
       <p:ext uri="{BB962C8B-B14F-4D97-AF65-F5344CB8AC3E}">
-        <p14:creationId xmlns:p14="http://schemas.microsoft.com/office/powerpoint/2010/main" val="1810555282"/>
+        <p14:creationId xmlns:p14="http://schemas.microsoft.com/office/powerpoint/2010/main" val="1295311840"/>
       </p:ext>
     </p:extLst>
   </p:cSld>
   <p:clrMap bg1="lt1" tx1="dk1" bg2="lt2" tx2="dk2" accent1="accent1" accent2="accent2" accent3="accent3" accent4="accent4" accent5="accent5" accent6="accent6" hlink="hlink" folHlink="folHlink"/>
   <p:sldLayoutIdLst>
-    <p:sldLayoutId id="2147483685" r:id="rId1"/>
-    <p:sldLayoutId id="2147483686" r:id="rId2"/>
-    <p:sldLayoutId id="2147483687" r:id="rId3"/>
-    <p:sldLayoutId id="2147483688" r:id="rId4"/>
-    <p:sldLayoutId id="2147483689" r:id="rId5"/>
-    <p:sldLayoutId id="2147483690" r:id="rId6"/>
-    <p:sldLayoutId id="2147483691" r:id="rId7"/>
-    <p:sldLayoutId id="2147483692" r:id="rId8"/>
-    <p:sldLayoutId id="2147483693" r:id="rId9"/>
-    <p:sldLayoutId id="2147483694" r:id="rId10"/>
-    <p:sldLayoutId id="2147483695" r:id="rId11"/>
+    <p:sldLayoutId id="2147483757" r:id="rId1"/>
+    <p:sldLayoutId id="2147483758" r:id="rId2"/>
+    <p:sldLayoutId id="2147483759" r:id="rId3"/>
+    <p:sldLayoutId id="2147483760" r:id="rId4"/>
+    <p:sldLayoutId id="2147483761" r:id="rId5"/>
+    <p:sldLayoutId id="2147483762" r:id="rId6"/>
+    <p:sldLayoutId id="2147483763" r:id="rId7"/>
+    <p:sldLayoutId id="2147483764" r:id="rId8"/>
+    <p:sldLayoutId id="2147483765" r:id="rId9"/>
+    <p:sldLayoutId id="2147483766" r:id="rId10"/>
+    <p:sldLayoutId id="2147483767" r:id="rId11"/>
   </p:sldLayoutIdLst>
   <p:txStyles>
     <p:titleStyle>
-      <a:lvl1pPr algn="l" defTabSz="2880086" rtl="0" eaLnBrk="1" latinLnBrk="0" hangingPunct="1">
+      <a:lvl1pPr algn="l" defTabSz="2664013" rtl="0" eaLnBrk="1" latinLnBrk="0" hangingPunct="1">
         <a:lnSpc>
           <a:spcPct val="90000"/>
         </a:lnSpc>
@@ -2626,7 +2626,7 @@
           <a:spcPct val="0"/>
         </a:spcBef>
         <a:buNone/>
-        <a:defRPr sz="13859" kern="1200">
+        <a:defRPr sz="12819" kern="1200">
           <a:solidFill>
             <a:schemeClr val="tx1"/>
           </a:solidFill>
@@ -2637,16 +2637,16 @@
       </a:lvl1pPr>
     </p:titleStyle>
     <p:bodyStyle>
-      <a:lvl1pPr marL="720021" indent="-720021" algn="l" defTabSz="2880086" rtl="0" eaLnBrk="1" latinLnBrk="0" hangingPunct="1">
+      <a:lvl1pPr marL="666003" indent="-666003" algn="l" defTabSz="2664013" rtl="0" eaLnBrk="1" latinLnBrk="0" hangingPunct="1">
         <a:lnSpc>
           <a:spcPct val="90000"/>
         </a:lnSpc>
         <a:spcBef>
-          <a:spcPts val="3150"/>
+          <a:spcPts val="2913"/>
         </a:spcBef>
         <a:buFont typeface="Arial" panose="020B0604020202020204" pitchFamily="34" charset="0"/>
         <a:buChar char="•"/>
-        <a:defRPr sz="8819" kern="1200">
+        <a:defRPr sz="8158" kern="1200">
           <a:solidFill>
             <a:schemeClr val="tx1"/>
           </a:solidFill>
@@ -2655,16 +2655,16 @@
           <a:cs typeface="+mn-cs"/>
         </a:defRPr>
       </a:lvl1pPr>
-      <a:lvl2pPr marL="2160064" indent="-720021" algn="l" defTabSz="2880086" rtl="0" eaLnBrk="1" latinLnBrk="0" hangingPunct="1">
+      <a:lvl2pPr marL="1998010" indent="-666003" algn="l" defTabSz="2664013" rtl="0" eaLnBrk="1" latinLnBrk="0" hangingPunct="1">
         <a:lnSpc>
           <a:spcPct val="90000"/>
         </a:lnSpc>
         <a:spcBef>
-          <a:spcPts val="1575"/>
+          <a:spcPts val="1457"/>
         </a:spcBef>
         <a:buFont typeface="Arial" panose="020B0604020202020204" pitchFamily="34" charset="0"/>
         <a:buChar char="•"/>
-        <a:defRPr sz="7559" kern="1200">
+        <a:defRPr sz="6992" kern="1200">
           <a:solidFill>
             <a:schemeClr val="tx1"/>
           </a:solidFill>
@@ -2673,16 +2673,16 @@
           <a:cs typeface="+mn-cs"/>
         </a:defRPr>
       </a:lvl2pPr>
-      <a:lvl3pPr marL="3600107" indent="-720021" algn="l" defTabSz="2880086" rtl="0" eaLnBrk="1" latinLnBrk="0" hangingPunct="1">
+      <a:lvl3pPr marL="3330016" indent="-666003" algn="l" defTabSz="2664013" rtl="0" eaLnBrk="1" latinLnBrk="0" hangingPunct="1">
         <a:lnSpc>
           <a:spcPct val="90000"/>
         </a:lnSpc>
         <a:spcBef>
-          <a:spcPts val="1575"/>
+          <a:spcPts val="1457"/>
         </a:spcBef>
         <a:buFont typeface="Arial" panose="020B0604020202020204" pitchFamily="34" charset="0"/>
         <a:buChar char="•"/>
-        <a:defRPr sz="6299" kern="1200">
+        <a:defRPr sz="5827" kern="1200">
           <a:solidFill>
             <a:schemeClr val="tx1"/>
           </a:solidFill>
@@ -2691,16 +2691,16 @@
           <a:cs typeface="+mn-cs"/>
         </a:defRPr>
       </a:lvl3pPr>
-      <a:lvl4pPr marL="5040150" indent="-720021" algn="l" defTabSz="2880086" rtl="0" eaLnBrk="1" latinLnBrk="0" hangingPunct="1">
+      <a:lvl4pPr marL="4662023" indent="-666003" algn="l" defTabSz="2664013" rtl="0" eaLnBrk="1" latinLnBrk="0" hangingPunct="1">
         <a:lnSpc>
           <a:spcPct val="90000"/>
         </a:lnSpc>
         <a:spcBef>
-          <a:spcPts val="1575"/>
+          <a:spcPts val="1457"/>
         </a:spcBef>
         <a:buFont typeface="Arial" panose="020B0604020202020204" pitchFamily="34" charset="0"/>
         <a:buChar char="•"/>
-        <a:defRPr sz="5669" kern="1200">
+        <a:defRPr sz="5244" kern="1200">
           <a:solidFill>
             <a:schemeClr val="tx1"/>
           </a:solidFill>
@@ -2709,16 +2709,16 @@
           <a:cs typeface="+mn-cs"/>
         </a:defRPr>
       </a:lvl4pPr>
-      <a:lvl5pPr marL="6480193" indent="-720021" algn="l" defTabSz="2880086" rtl="0" eaLnBrk="1" latinLnBrk="0" hangingPunct="1">
+      <a:lvl5pPr marL="5994029" indent="-666003" algn="l" defTabSz="2664013" rtl="0" eaLnBrk="1" latinLnBrk="0" hangingPunct="1">
         <a:lnSpc>
           <a:spcPct val="90000"/>
         </a:lnSpc>
         <a:spcBef>
-          <a:spcPts val="1575"/>
+          <a:spcPts val="1457"/>
         </a:spcBef>
         <a:buFont typeface="Arial" panose="020B0604020202020204" pitchFamily="34" charset="0"/>
         <a:buChar char="•"/>
-        <a:defRPr sz="5669" kern="1200">
+        <a:defRPr sz="5244" kern="1200">
           <a:solidFill>
             <a:schemeClr val="tx1"/>
           </a:solidFill>
@@ -2727,16 +2727,16 @@
           <a:cs typeface="+mn-cs"/>
         </a:defRPr>
       </a:lvl5pPr>
-      <a:lvl6pPr marL="7920236" indent="-720021" algn="l" defTabSz="2880086" rtl="0" eaLnBrk="1" latinLnBrk="0" hangingPunct="1">
+      <a:lvl6pPr marL="7326036" indent="-666003" algn="l" defTabSz="2664013" rtl="0" eaLnBrk="1" latinLnBrk="0" hangingPunct="1">
         <a:lnSpc>
           <a:spcPct val="90000"/>
         </a:lnSpc>
         <a:spcBef>
-          <a:spcPts val="1575"/>
+          <a:spcPts val="1457"/>
         </a:spcBef>
         <a:buFont typeface="Arial" panose="020B0604020202020204" pitchFamily="34" charset="0"/>
         <a:buChar char="•"/>
-        <a:defRPr sz="5669" kern="1200">
+        <a:defRPr sz="5244" kern="1200">
           <a:solidFill>
             <a:schemeClr val="tx1"/>
           </a:solidFill>
@@ -2745,16 +2745,16 @@
           <a:cs typeface="+mn-cs"/>
         </a:defRPr>
       </a:lvl6pPr>
-      <a:lvl7pPr marL="9360278" indent="-720021" algn="l" defTabSz="2880086" rtl="0" eaLnBrk="1" latinLnBrk="0" hangingPunct="1">
+      <a:lvl7pPr marL="8658042" indent="-666003" algn="l" defTabSz="2664013" rtl="0" eaLnBrk="1" latinLnBrk="0" hangingPunct="1">
         <a:lnSpc>
           <a:spcPct val="90000"/>
         </a:lnSpc>
         <a:spcBef>
-          <a:spcPts val="1575"/>
+          <a:spcPts val="1457"/>
         </a:spcBef>
         <a:buFont typeface="Arial" panose="020B0604020202020204" pitchFamily="34" charset="0"/>
         <a:buChar char="•"/>
-        <a:defRPr sz="5669" kern="1200">
+        <a:defRPr sz="5244" kern="1200">
           <a:solidFill>
             <a:schemeClr val="tx1"/>
           </a:solidFill>
@@ -2763,16 +2763,16 @@
           <a:cs typeface="+mn-cs"/>
         </a:defRPr>
       </a:lvl7pPr>
-      <a:lvl8pPr marL="10800321" indent="-720021" algn="l" defTabSz="2880086" rtl="0" eaLnBrk="1" latinLnBrk="0" hangingPunct="1">
+      <a:lvl8pPr marL="9990049" indent="-666003" algn="l" defTabSz="2664013" rtl="0" eaLnBrk="1" latinLnBrk="0" hangingPunct="1">
         <a:lnSpc>
           <a:spcPct val="90000"/>
         </a:lnSpc>
         <a:spcBef>
-          <a:spcPts val="1575"/>
+          <a:spcPts val="1457"/>
         </a:spcBef>
         <a:buFont typeface="Arial" panose="020B0604020202020204" pitchFamily="34" charset="0"/>
         <a:buChar char="•"/>
-        <a:defRPr sz="5669" kern="1200">
+        <a:defRPr sz="5244" kern="1200">
           <a:solidFill>
             <a:schemeClr val="tx1"/>
           </a:solidFill>
@@ -2781,16 +2781,16 @@
           <a:cs typeface="+mn-cs"/>
         </a:defRPr>
       </a:lvl8pPr>
-      <a:lvl9pPr marL="12240364" indent="-720021" algn="l" defTabSz="2880086" rtl="0" eaLnBrk="1" latinLnBrk="0" hangingPunct="1">
+      <a:lvl9pPr marL="11322055" indent="-666003" algn="l" defTabSz="2664013" rtl="0" eaLnBrk="1" latinLnBrk="0" hangingPunct="1">
         <a:lnSpc>
           <a:spcPct val="90000"/>
         </a:lnSpc>
         <a:spcBef>
-          <a:spcPts val="1575"/>
+          <a:spcPts val="1457"/>
         </a:spcBef>
         <a:buFont typeface="Arial" panose="020B0604020202020204" pitchFamily="34" charset="0"/>
         <a:buChar char="•"/>
-        <a:defRPr sz="5669" kern="1200">
+        <a:defRPr sz="5244" kern="1200">
           <a:solidFill>
             <a:schemeClr val="tx1"/>
           </a:solidFill>
@@ -2804,8 +2804,8 @@
       <a:defPPr>
         <a:defRPr lang="en-US"/>
       </a:defPPr>
-      <a:lvl1pPr marL="0" algn="l" defTabSz="2880086" rtl="0" eaLnBrk="1" latinLnBrk="0" hangingPunct="1">
-        <a:defRPr sz="5669" kern="1200">
+      <a:lvl1pPr marL="0" algn="l" defTabSz="2664013" rtl="0" eaLnBrk="1" latinLnBrk="0" hangingPunct="1">
+        <a:defRPr sz="5244" kern="1200">
           <a:solidFill>
             <a:schemeClr val="tx1"/>
           </a:solidFill>
@@ -2814,8 +2814,8 @@
           <a:cs typeface="+mn-cs"/>
         </a:defRPr>
       </a:lvl1pPr>
-      <a:lvl2pPr marL="1440043" algn="l" defTabSz="2880086" rtl="0" eaLnBrk="1" latinLnBrk="0" hangingPunct="1">
-        <a:defRPr sz="5669" kern="1200">
+      <a:lvl2pPr marL="1332006" algn="l" defTabSz="2664013" rtl="0" eaLnBrk="1" latinLnBrk="0" hangingPunct="1">
+        <a:defRPr sz="5244" kern="1200">
           <a:solidFill>
             <a:schemeClr val="tx1"/>
           </a:solidFill>
@@ -2824,8 +2824,8 @@
           <a:cs typeface="+mn-cs"/>
         </a:defRPr>
       </a:lvl2pPr>
-      <a:lvl3pPr marL="2880086" algn="l" defTabSz="2880086" rtl="0" eaLnBrk="1" latinLnBrk="0" hangingPunct="1">
-        <a:defRPr sz="5669" kern="1200">
+      <a:lvl3pPr marL="2664013" algn="l" defTabSz="2664013" rtl="0" eaLnBrk="1" latinLnBrk="0" hangingPunct="1">
+        <a:defRPr sz="5244" kern="1200">
           <a:solidFill>
             <a:schemeClr val="tx1"/>
           </a:solidFill>
@@ -2834,8 +2834,8 @@
           <a:cs typeface="+mn-cs"/>
         </a:defRPr>
       </a:lvl3pPr>
-      <a:lvl4pPr marL="4320129" algn="l" defTabSz="2880086" rtl="0" eaLnBrk="1" latinLnBrk="0" hangingPunct="1">
-        <a:defRPr sz="5669" kern="1200">
+      <a:lvl4pPr marL="3996019" algn="l" defTabSz="2664013" rtl="0" eaLnBrk="1" latinLnBrk="0" hangingPunct="1">
+        <a:defRPr sz="5244" kern="1200">
           <a:solidFill>
             <a:schemeClr val="tx1"/>
           </a:solidFill>
@@ -2844,8 +2844,8 @@
           <a:cs typeface="+mn-cs"/>
         </a:defRPr>
       </a:lvl4pPr>
-      <a:lvl5pPr marL="5760171" algn="l" defTabSz="2880086" rtl="0" eaLnBrk="1" latinLnBrk="0" hangingPunct="1">
-        <a:defRPr sz="5669" kern="1200">
+      <a:lvl5pPr marL="5328026" algn="l" defTabSz="2664013" rtl="0" eaLnBrk="1" latinLnBrk="0" hangingPunct="1">
+        <a:defRPr sz="5244" kern="1200">
           <a:solidFill>
             <a:schemeClr val="tx1"/>
           </a:solidFill>
@@ -2854,8 +2854,8 @@
           <a:cs typeface="+mn-cs"/>
         </a:defRPr>
       </a:lvl5pPr>
-      <a:lvl6pPr marL="7200214" algn="l" defTabSz="2880086" rtl="0" eaLnBrk="1" latinLnBrk="0" hangingPunct="1">
-        <a:defRPr sz="5669" kern="1200">
+      <a:lvl6pPr marL="6660032" algn="l" defTabSz="2664013" rtl="0" eaLnBrk="1" latinLnBrk="0" hangingPunct="1">
+        <a:defRPr sz="5244" kern="1200">
           <a:solidFill>
             <a:schemeClr val="tx1"/>
           </a:solidFill>
@@ -2864,8 +2864,8 @@
           <a:cs typeface="+mn-cs"/>
         </a:defRPr>
       </a:lvl6pPr>
-      <a:lvl7pPr marL="8640257" algn="l" defTabSz="2880086" rtl="0" eaLnBrk="1" latinLnBrk="0" hangingPunct="1">
-        <a:defRPr sz="5669" kern="1200">
+      <a:lvl7pPr marL="7992039" algn="l" defTabSz="2664013" rtl="0" eaLnBrk="1" latinLnBrk="0" hangingPunct="1">
+        <a:defRPr sz="5244" kern="1200">
           <a:solidFill>
             <a:schemeClr val="tx1"/>
           </a:solidFill>
@@ -2874,8 +2874,8 @@
           <a:cs typeface="+mn-cs"/>
         </a:defRPr>
       </a:lvl7pPr>
-      <a:lvl8pPr marL="10080300" algn="l" defTabSz="2880086" rtl="0" eaLnBrk="1" latinLnBrk="0" hangingPunct="1">
-        <a:defRPr sz="5669" kern="1200">
+      <a:lvl8pPr marL="9324045" algn="l" defTabSz="2664013" rtl="0" eaLnBrk="1" latinLnBrk="0" hangingPunct="1">
+        <a:defRPr sz="5244" kern="1200">
           <a:solidFill>
             <a:schemeClr val="tx1"/>
           </a:solidFill>
@@ -2884,8 +2884,8 @@
           <a:cs typeface="+mn-cs"/>
         </a:defRPr>
       </a:lvl8pPr>
-      <a:lvl9pPr marL="11520343" algn="l" defTabSz="2880086" rtl="0" eaLnBrk="1" latinLnBrk="0" hangingPunct="1">
-        <a:defRPr sz="5669" kern="1200">
+      <a:lvl9pPr marL="10656052" algn="l" defTabSz="2664013" rtl="0" eaLnBrk="1" latinLnBrk="0" hangingPunct="1">
+        <a:defRPr sz="5244" kern="1200">
           <a:solidFill>
             <a:schemeClr val="tx1"/>
           </a:solidFill>
@@ -2918,14 +2918,14 @@
       </p:grpSpPr>
       <p:sp>
         <p:nvSpPr>
-          <p:cNvPr id="24" name="Rectangle 23"/>
+          <p:cNvPr id="120" name="Rectangle 119"/>
           <p:cNvSpPr/>
           <p:nvPr/>
         </p:nvSpPr>
         <p:spPr>
           <a:xfrm>
-            <a:off x="905194" y="708732"/>
-            <a:ext cx="5922504" cy="4748046"/>
+            <a:off x="774565" y="391290"/>
+            <a:ext cx="5833785" cy="5718633"/>
           </a:xfrm>
           <a:prstGeom prst="rect">
             <a:avLst/>
@@ -2980,14 +2980,14 @@
       </p:sp>
       <p:sp>
         <p:nvSpPr>
-          <p:cNvPr id="27" name="Rectangle 26"/>
+          <p:cNvPr id="121" name="Rectangle 120"/>
           <p:cNvSpPr/>
           <p:nvPr/>
         </p:nvSpPr>
         <p:spPr>
           <a:xfrm>
-            <a:off x="816475" y="6377729"/>
-            <a:ext cx="5922504" cy="4748046"/>
+            <a:off x="685846" y="6836231"/>
+            <a:ext cx="5922504" cy="5718635"/>
           </a:xfrm>
           <a:prstGeom prst="rect">
             <a:avLst/>
@@ -3048,14 +3048,14 @@
       </p:sp>
       <p:sp>
         <p:nvSpPr>
-          <p:cNvPr id="29" name="Rectangle 28"/>
+          <p:cNvPr id="122" name="Rectangle 121"/>
           <p:cNvSpPr/>
           <p:nvPr/>
         </p:nvSpPr>
         <p:spPr>
           <a:xfrm>
-            <a:off x="8098730" y="708732"/>
-            <a:ext cx="5922504" cy="4748046"/>
+            <a:off x="7281476" y="391289"/>
+            <a:ext cx="5916858" cy="5718633"/>
           </a:xfrm>
           <a:prstGeom prst="rect">
             <a:avLst/>
@@ -3110,14 +3110,14 @@
       </p:sp>
       <p:sp>
         <p:nvSpPr>
-          <p:cNvPr id="30" name="Rectangle 29"/>
+          <p:cNvPr id="123" name="Rectangle 122"/>
           <p:cNvSpPr/>
           <p:nvPr/>
         </p:nvSpPr>
         <p:spPr>
           <a:xfrm>
-            <a:off x="15190666" y="708732"/>
-            <a:ext cx="5922504" cy="4748046"/>
+            <a:off x="13782746" y="391289"/>
+            <a:ext cx="5550282" cy="5718634"/>
           </a:xfrm>
           <a:prstGeom prst="rect">
             <a:avLst/>
@@ -3192,8 +3192,8 @@
         </p:blipFill>
         <p:spPr>
           <a:xfrm>
-            <a:off x="263766" y="17141196"/>
-            <a:ext cx="7019219" cy="5434881"/>
+            <a:off x="190151" y="19389688"/>
+            <a:ext cx="6506913" cy="6444942"/>
           </a:xfrm>
           <a:prstGeom prst="rect">
             <a:avLst/>
@@ -3222,8 +3222,8 @@
         </p:blipFill>
         <p:spPr>
           <a:xfrm>
-            <a:off x="264629" y="11791056"/>
-            <a:ext cx="7018356" cy="5350139"/>
+            <a:off x="190150" y="12944745"/>
+            <a:ext cx="6506914" cy="6444943"/>
           </a:xfrm>
           <a:prstGeom prst="rect">
             <a:avLst/>
@@ -3252,8 +3252,8 @@
         </p:blipFill>
         <p:spPr>
           <a:xfrm>
-            <a:off x="7282985" y="17141196"/>
-            <a:ext cx="7129521" cy="5434881"/>
+            <a:off x="6697063" y="19389688"/>
+            <a:ext cx="6506913" cy="6444942"/>
           </a:xfrm>
           <a:prstGeom prst="rect">
             <a:avLst/>
@@ -3282,8 +3282,8 @@
         </p:blipFill>
         <p:spPr>
           <a:xfrm>
-            <a:off x="7282985" y="11620910"/>
-            <a:ext cx="7129521" cy="5520286"/>
+            <a:off x="6697062" y="12950334"/>
+            <a:ext cx="6501271" cy="6439354"/>
           </a:xfrm>
           <a:prstGeom prst="rect">
             <a:avLst/>
@@ -3312,8 +3312,8 @@
         </p:blipFill>
         <p:spPr>
           <a:xfrm>
-            <a:off x="7282985" y="6073662"/>
-            <a:ext cx="7129521" cy="5520286"/>
+            <a:off x="6691419" y="6502597"/>
+            <a:ext cx="6506914" cy="6444943"/>
           </a:xfrm>
           <a:prstGeom prst="rect">
             <a:avLst/>
@@ -3342,8 +3342,8 @@
         </p:blipFill>
         <p:spPr>
           <a:xfrm>
-            <a:off x="14412506" y="17141195"/>
-            <a:ext cx="7129522" cy="5434882"/>
+            <a:off x="13198333" y="19386894"/>
+            <a:ext cx="6504092" cy="6442148"/>
           </a:xfrm>
           <a:prstGeom prst="rect">
             <a:avLst/>
@@ -3372,8 +3372,8 @@
         </p:blipFill>
         <p:spPr>
           <a:xfrm>
-            <a:off x="14412505" y="11706314"/>
-            <a:ext cx="7129519" cy="5434880"/>
+            <a:off x="13198332" y="12953130"/>
+            <a:ext cx="6501269" cy="6439352"/>
           </a:xfrm>
           <a:prstGeom prst="rect">
             <a:avLst/>
@@ -3402,8 +3402,8 @@
         </p:blipFill>
         <p:spPr>
           <a:xfrm>
-            <a:off x="21542028" y="17141195"/>
-            <a:ext cx="7019220" cy="5434882"/>
+            <a:off x="19699600" y="19398072"/>
+            <a:ext cx="6489983" cy="6428174"/>
           </a:xfrm>
           <a:prstGeom prst="rect">
             <a:avLst/>
@@ -3432,8 +3432,8 @@
         </p:blipFill>
         <p:spPr>
           <a:xfrm>
-            <a:off x="21542027" y="11791056"/>
-            <a:ext cx="7019221" cy="5350799"/>
+            <a:off x="19699599" y="12953130"/>
+            <a:ext cx="6489983" cy="6428174"/>
           </a:xfrm>
           <a:prstGeom prst="rect">
             <a:avLst/>
@@ -3462,8 +3462,8 @@
         </p:blipFill>
         <p:spPr>
           <a:xfrm>
-            <a:off x="14412505" y="6186029"/>
-            <a:ext cx="7129519" cy="5434880"/>
+            <a:off x="13198331" y="6505394"/>
+            <a:ext cx="6501267" cy="6439350"/>
           </a:xfrm>
           <a:prstGeom prst="rect">
             <a:avLst/>
@@ -3472,7 +3472,7 @@
       </p:pic>
       <p:pic>
         <p:nvPicPr>
-          <p:cNvPr id="25" name="Picture 24"/>
+          <p:cNvPr id="12" name="Picture 11"/>
           <p:cNvPicPr>
             <a:picLocks noChangeAspect="1"/>
           </p:cNvPicPr>
@@ -3492,8 +3492,8 @@
         </p:blipFill>
         <p:spPr>
           <a:xfrm>
-            <a:off x="21542024" y="6266013"/>
-            <a:ext cx="7019224" cy="5350801"/>
+            <a:off x="19699597" y="6508186"/>
+            <a:ext cx="6489985" cy="6428175"/>
           </a:xfrm>
           <a:prstGeom prst="rect">
             <a:avLst/>
@@ -3502,7 +3502,7 @@
       </p:pic>
       <p:pic>
         <p:nvPicPr>
-          <p:cNvPr id="26" name="Picture 25"/>
+          <p:cNvPr id="13" name="Picture 12"/>
           <p:cNvPicPr>
             <a:picLocks noChangeAspect="1"/>
           </p:cNvPicPr>
@@ -3522,8 +3522,8 @@
         </p:blipFill>
         <p:spPr>
           <a:xfrm>
-            <a:off x="21542024" y="722861"/>
-            <a:ext cx="7019224" cy="5350801"/>
+            <a:off x="19699596" y="88394"/>
+            <a:ext cx="6489985" cy="6428176"/>
           </a:xfrm>
           <a:prstGeom prst="rect">
             <a:avLst/>
@@ -3560,7 +3560,7 @@
         <a:srgbClr val="E7E6E6"/>
       </a:lt2>
       <a:accent1>
-        <a:srgbClr val="5B9BD5"/>
+        <a:srgbClr val="4472C4"/>
       </a:accent1>
       <a:accent2>
         <a:srgbClr val="ED7D31"/>
@@ -3572,7 +3572,7 @@
         <a:srgbClr val="FFC000"/>
       </a:accent4>
       <a:accent5>
-        <a:srgbClr val="4472C4"/>
+        <a:srgbClr val="5B9BD5"/>
       </a:accent5>
       <a:accent6>
         <a:srgbClr val="70AD47"/>
@@ -3589,9 +3589,9 @@
         <a:latin typeface="Calibri Light" panose="020F0302020204030204"/>
         <a:ea typeface=""/>
         <a:cs typeface=""/>
-        <a:font script="Jpan" typeface="ＭＳ Ｐゴシック"/>
+        <a:font script="Jpan" typeface="游ゴシック Light"/>
         <a:font script="Hang" typeface="맑은 고딕"/>
-        <a:font script="Hans" typeface="宋体"/>
+        <a:font script="Hans" typeface="等线 Light"/>
         <a:font script="Hant" typeface="新細明體"/>
         <a:font script="Arab" typeface="Times New Roman"/>
         <a:font script="Hebr" typeface="Times New Roman"/>
@@ -3624,9 +3624,9 @@
         <a:latin typeface="Calibri" panose="020F0502020204030204"/>
         <a:ea typeface=""/>
         <a:cs typeface=""/>
-        <a:font script="Jpan" typeface="ＭＳ Ｐゴシック"/>
+        <a:font script="Jpan" typeface="游ゴシック"/>
         <a:font script="Hang" typeface="맑은 고딕"/>
-        <a:font script="Hans" typeface="宋体"/>
+        <a:font script="Hans" typeface="等线"/>
         <a:font script="Hant" typeface="新細明體"/>
         <a:font script="Arab" typeface="Arial"/>
         <a:font script="Hebr" typeface="Arial"/>
